--- a/VLSI design 설계 실습/2025-04-16.pptx
+++ b/VLSI design 설계 실습/2025-04-16.pptx
@@ -261,7 +261,7 @@
           <a:p>
             <a:fld id="{58899037-F4E5-428B-A125-DB08CEA9CA9F}" type="datetimeFigureOut">
               <a:rPr lang="ko-KR" altLang="en-US" smtClean="0"/>
-              <a:t>2025-06-03</a:t>
+              <a:t>2025-06-14</a:t>
             </a:fld>
             <a:endParaRPr lang="ko-KR" altLang="en-US"/>
           </a:p>
@@ -429,7 +429,7 @@
           <a:p>
             <a:fld id="{58899037-F4E5-428B-A125-DB08CEA9CA9F}" type="datetimeFigureOut">
               <a:rPr lang="ko-KR" altLang="en-US" smtClean="0"/>
-              <a:t>2025-06-03</a:t>
+              <a:t>2025-06-14</a:t>
             </a:fld>
             <a:endParaRPr lang="ko-KR" altLang="en-US"/>
           </a:p>
@@ -607,7 +607,7 @@
           <a:p>
             <a:fld id="{58899037-F4E5-428B-A125-DB08CEA9CA9F}" type="datetimeFigureOut">
               <a:rPr lang="ko-KR" altLang="en-US" smtClean="0"/>
-              <a:t>2025-06-03</a:t>
+              <a:t>2025-06-14</a:t>
             </a:fld>
             <a:endParaRPr lang="ko-KR" altLang="en-US"/>
           </a:p>
@@ -775,7 +775,7 @@
           <a:p>
             <a:fld id="{58899037-F4E5-428B-A125-DB08CEA9CA9F}" type="datetimeFigureOut">
               <a:rPr lang="ko-KR" altLang="en-US" smtClean="0"/>
-              <a:t>2025-06-03</a:t>
+              <a:t>2025-06-14</a:t>
             </a:fld>
             <a:endParaRPr lang="ko-KR" altLang="en-US"/>
           </a:p>
@@ -1020,7 +1020,7 @@
           <a:p>
             <a:fld id="{58899037-F4E5-428B-A125-DB08CEA9CA9F}" type="datetimeFigureOut">
               <a:rPr lang="ko-KR" altLang="en-US" smtClean="0"/>
-              <a:t>2025-06-03</a:t>
+              <a:t>2025-06-14</a:t>
             </a:fld>
             <a:endParaRPr lang="ko-KR" altLang="en-US"/>
           </a:p>
@@ -1249,7 +1249,7 @@
           <a:p>
             <a:fld id="{58899037-F4E5-428B-A125-DB08CEA9CA9F}" type="datetimeFigureOut">
               <a:rPr lang="ko-KR" altLang="en-US" smtClean="0"/>
-              <a:t>2025-06-03</a:t>
+              <a:t>2025-06-14</a:t>
             </a:fld>
             <a:endParaRPr lang="ko-KR" altLang="en-US"/>
           </a:p>
@@ -1613,7 +1613,7 @@
           <a:p>
             <a:fld id="{58899037-F4E5-428B-A125-DB08CEA9CA9F}" type="datetimeFigureOut">
               <a:rPr lang="ko-KR" altLang="en-US" smtClean="0"/>
-              <a:t>2025-06-03</a:t>
+              <a:t>2025-06-14</a:t>
             </a:fld>
             <a:endParaRPr lang="ko-KR" altLang="en-US"/>
           </a:p>
@@ -1730,7 +1730,7 @@
           <a:p>
             <a:fld id="{58899037-F4E5-428B-A125-DB08CEA9CA9F}" type="datetimeFigureOut">
               <a:rPr lang="ko-KR" altLang="en-US" smtClean="0"/>
-              <a:t>2025-06-03</a:t>
+              <a:t>2025-06-14</a:t>
             </a:fld>
             <a:endParaRPr lang="ko-KR" altLang="en-US"/>
           </a:p>
@@ -1825,7 +1825,7 @@
           <a:p>
             <a:fld id="{58899037-F4E5-428B-A125-DB08CEA9CA9F}" type="datetimeFigureOut">
               <a:rPr lang="ko-KR" altLang="en-US" smtClean="0"/>
-              <a:t>2025-06-03</a:t>
+              <a:t>2025-06-14</a:t>
             </a:fld>
             <a:endParaRPr lang="ko-KR" altLang="en-US"/>
           </a:p>
@@ -2100,7 +2100,7 @@
           <a:p>
             <a:fld id="{58899037-F4E5-428B-A125-DB08CEA9CA9F}" type="datetimeFigureOut">
               <a:rPr lang="ko-KR" altLang="en-US" smtClean="0"/>
-              <a:t>2025-06-03</a:t>
+              <a:t>2025-06-14</a:t>
             </a:fld>
             <a:endParaRPr lang="ko-KR" altLang="en-US"/>
           </a:p>
@@ -2352,7 +2352,7 @@
           <a:p>
             <a:fld id="{58899037-F4E5-428B-A125-DB08CEA9CA9F}" type="datetimeFigureOut">
               <a:rPr lang="ko-KR" altLang="en-US" smtClean="0"/>
-              <a:t>2025-06-03</a:t>
+              <a:t>2025-06-14</a:t>
             </a:fld>
             <a:endParaRPr lang="ko-KR" altLang="en-US"/>
           </a:p>
@@ -2569,7 +2569,7 @@
           <a:p>
             <a:fld id="{58899037-F4E5-428B-A125-DB08CEA9CA9F}" type="datetimeFigureOut">
               <a:rPr lang="ko-KR" altLang="en-US" smtClean="0"/>
-              <a:t>2025-06-03</a:t>
+              <a:t>2025-06-14</a:t>
             </a:fld>
             <a:endParaRPr lang="ko-KR" altLang="en-US"/>
           </a:p>
@@ -4514,7 +4514,7 @@
         <p:spPr>
           <a:xfrm>
             <a:off x="838199" y="1690688"/>
-            <a:ext cx="6395113" cy="4329516"/>
+            <a:ext cx="10515600" cy="4329516"/>
           </a:xfrm>
           <a:prstGeom prst="rect">
             <a:avLst/>
@@ -4817,8 +4817,8 @@
         </p:blipFill>
         <p:spPr>
           <a:xfrm>
-            <a:off x="838200" y="1907512"/>
-            <a:ext cx="6879956" cy="4351338"/>
+            <a:off x="838199" y="1907512"/>
+            <a:ext cx="10515599" cy="4351338"/>
           </a:xfrm>
           <a:prstGeom prst="rect">
             <a:avLst/>
@@ -4897,7 +4897,7 @@
         <p:spPr>
           <a:xfrm>
             <a:off x="838200" y="1866568"/>
-            <a:ext cx="7122061" cy="4351338"/>
+            <a:ext cx="10515600" cy="4351338"/>
           </a:xfrm>
           <a:prstGeom prst="rect">
             <a:avLst/>
